--- a/7_figures/figure_4.pptx
+++ b/7_figures/figure_4.pptx
@@ -104,6 +104,11 @@
       </a:defRPr>
     </a:lvl9pPr>
   </p:defaultTextStyle>
+  <p:extLst>
+    <p:ext uri="{EFAFB233-063F-42B5-8137-9DF3F51BA10A}">
+      <p15:sldGuideLst xmlns:p15="http://schemas.microsoft.com/office/powerpoint/2012/main"/>
+    </p:ext>
+  </p:extLst>
 </p:presentation>
 </file>
 
@@ -238,7 +243,7 @@
           <a:p>
             <a:fld id="{B3FD49CD-0034-0441-84C5-BD61FA025A57}" type="datetimeFigureOut">
               <a:rPr lang="en-US" smtClean="0"/>
-              <a:t>2/28/20</a:t>
+              <a:t>3/2/20</a:t>
             </a:fld>
             <a:endParaRPr lang="en-US"/>
           </a:p>
@@ -408,7 +413,7 @@
           <a:p>
             <a:fld id="{B3FD49CD-0034-0441-84C5-BD61FA025A57}" type="datetimeFigureOut">
               <a:rPr lang="en-US" smtClean="0"/>
-              <a:t>2/28/20</a:t>
+              <a:t>3/2/20</a:t>
             </a:fld>
             <a:endParaRPr lang="en-US"/>
           </a:p>
@@ -588,7 +593,7 @@
           <a:p>
             <a:fld id="{B3FD49CD-0034-0441-84C5-BD61FA025A57}" type="datetimeFigureOut">
               <a:rPr lang="en-US" smtClean="0"/>
-              <a:t>2/28/20</a:t>
+              <a:t>3/2/20</a:t>
             </a:fld>
             <a:endParaRPr lang="en-US"/>
           </a:p>
@@ -758,7 +763,7 @@
           <a:p>
             <a:fld id="{B3FD49CD-0034-0441-84C5-BD61FA025A57}" type="datetimeFigureOut">
               <a:rPr lang="en-US" smtClean="0"/>
-              <a:t>2/28/20</a:t>
+              <a:t>3/2/20</a:t>
             </a:fld>
             <a:endParaRPr lang="en-US"/>
           </a:p>
@@ -1002,7 +1007,7 @@
           <a:p>
             <a:fld id="{B3FD49CD-0034-0441-84C5-BD61FA025A57}" type="datetimeFigureOut">
               <a:rPr lang="en-US" smtClean="0"/>
-              <a:t>2/28/20</a:t>
+              <a:t>3/2/20</a:t>
             </a:fld>
             <a:endParaRPr lang="en-US"/>
           </a:p>
@@ -1234,7 +1239,7 @@
           <a:p>
             <a:fld id="{B3FD49CD-0034-0441-84C5-BD61FA025A57}" type="datetimeFigureOut">
               <a:rPr lang="en-US" smtClean="0"/>
-              <a:t>2/28/20</a:t>
+              <a:t>3/2/20</a:t>
             </a:fld>
             <a:endParaRPr lang="en-US"/>
           </a:p>
@@ -1601,7 +1606,7 @@
           <a:p>
             <a:fld id="{B3FD49CD-0034-0441-84C5-BD61FA025A57}" type="datetimeFigureOut">
               <a:rPr lang="en-US" smtClean="0"/>
-              <a:t>2/28/20</a:t>
+              <a:t>3/2/20</a:t>
             </a:fld>
             <a:endParaRPr lang="en-US"/>
           </a:p>
@@ -1719,7 +1724,7 @@
           <a:p>
             <a:fld id="{B3FD49CD-0034-0441-84C5-BD61FA025A57}" type="datetimeFigureOut">
               <a:rPr lang="en-US" smtClean="0"/>
-              <a:t>2/28/20</a:t>
+              <a:t>3/2/20</a:t>
             </a:fld>
             <a:endParaRPr lang="en-US"/>
           </a:p>
@@ -1814,7 +1819,7 @@
           <a:p>
             <a:fld id="{B3FD49CD-0034-0441-84C5-BD61FA025A57}" type="datetimeFigureOut">
               <a:rPr lang="en-US" smtClean="0"/>
-              <a:t>2/28/20</a:t>
+              <a:t>3/2/20</a:t>
             </a:fld>
             <a:endParaRPr lang="en-US"/>
           </a:p>
@@ -2091,7 +2096,7 @@
           <a:p>
             <a:fld id="{B3FD49CD-0034-0441-84C5-BD61FA025A57}" type="datetimeFigureOut">
               <a:rPr lang="en-US" smtClean="0"/>
-              <a:t>2/28/20</a:t>
+              <a:t>3/2/20</a:t>
             </a:fld>
             <a:endParaRPr lang="en-US"/>
           </a:p>
@@ -2348,7 +2353,7 @@
           <a:p>
             <a:fld id="{B3FD49CD-0034-0441-84C5-BD61FA025A57}" type="datetimeFigureOut">
               <a:rPr lang="en-US" smtClean="0"/>
-              <a:t>2/28/20</a:t>
+              <a:t>3/2/20</a:t>
             </a:fld>
             <a:endParaRPr lang="en-US"/>
           </a:p>
@@ -2561,7 +2566,7 @@
           <a:p>
             <a:fld id="{B3FD49CD-0034-0441-84C5-BD61FA025A57}" type="datetimeFigureOut">
               <a:rPr lang="en-US" smtClean="0"/>
-              <a:t>2/28/20</a:t>
+              <a:t>3/2/20</a:t>
             </a:fld>
             <a:endParaRPr lang="en-US"/>
           </a:p>
@@ -3040,7 +3045,7 @@
         <p:spPr>
           <a:xfrm>
             <a:off x="401782" y="1456003"/>
-            <a:ext cx="351378" cy="369332"/>
+            <a:ext cx="287258" cy="369332"/>
           </a:xfrm>
           <a:prstGeom prst="rect">
             <a:avLst/>
@@ -3057,7 +3062,7 @@
               <a:rPr lang="en-US" dirty="0">
                 <a:latin typeface="Times" pitchFamily="2" charset="0"/>
               </a:rPr>
-              <a:t>A</a:t>
+              <a:t>a</a:t>
             </a:r>
           </a:p>
         </p:txBody>
@@ -3077,7 +3082,7 @@
         <p:spPr>
           <a:xfrm>
             <a:off x="4572000" y="1456003"/>
-            <a:ext cx="338554" cy="369332"/>
+            <a:ext cx="300082" cy="369332"/>
           </a:xfrm>
           <a:prstGeom prst="rect">
             <a:avLst/>
@@ -3094,7 +3099,7 @@
               <a:rPr lang="en-US" dirty="0">
                 <a:latin typeface="Times" pitchFamily="2" charset="0"/>
               </a:rPr>
-              <a:t>B</a:t>
+              <a:t>b</a:t>
             </a:r>
           </a:p>
         </p:txBody>

--- a/7_figures/figure_4.pptx
+++ b/7_figures/figure_4.pptx
@@ -2,12 +2,12 @@
 <file path=ppt/presentation.xml><?xml version="1.0" encoding="utf-8"?>
 <p:presentation xmlns:a="http://schemas.openxmlformats.org/drawingml/2006/main" xmlns:r="http://schemas.openxmlformats.org/officeDocument/2006/relationships" xmlns:p="http://schemas.openxmlformats.org/presentationml/2006/main" saveSubsetFonts="1" autoCompressPictures="0">
   <p:sldMasterIdLst>
-    <p:sldMasterId id="2147483660" r:id="rId1"/>
+    <p:sldMasterId id="2147483696" r:id="rId1"/>
   </p:sldMasterIdLst>
   <p:sldIdLst>
     <p:sldId id="256" r:id="rId2"/>
   </p:sldIdLst>
-  <p:sldSz cx="9144000" cy="6858000" type="screen4x3"/>
+  <p:sldSz cx="8999538" cy="3600450"/>
   <p:notesSz cx="6858000" cy="9144000"/>
   <p:defaultTextStyle>
     <a:defPPr>
@@ -141,15 +141,15 @@
         </p:nvSpPr>
         <p:spPr>
           <a:xfrm>
-            <a:off x="685800" y="1122363"/>
-            <a:ext cx="7772400" cy="2387600"/>
+            <a:off x="1124942" y="589241"/>
+            <a:ext cx="6749654" cy="1253490"/>
           </a:xfrm>
         </p:spPr>
         <p:txBody>
           <a:bodyPr anchor="b"/>
           <a:lstStyle>
             <a:lvl1pPr algn="ctr">
-              <a:defRPr sz="6000"/>
+              <a:defRPr sz="3150"/>
             </a:lvl1pPr>
           </a:lstStyle>
           <a:p>
@@ -173,8 +173,8 @@
         </p:nvSpPr>
         <p:spPr>
           <a:xfrm>
-            <a:off x="1143000" y="3602038"/>
-            <a:ext cx="6858000" cy="1655762"/>
+            <a:off x="1124942" y="1891070"/>
+            <a:ext cx="6749654" cy="869275"/>
           </a:xfrm>
         </p:spPr>
         <p:txBody>
@@ -182,39 +182,39 @@
           <a:lstStyle>
             <a:lvl1pPr marL="0" indent="0" algn="ctr">
               <a:buNone/>
-              <a:defRPr sz="2400"/>
+              <a:defRPr sz="1260"/>
             </a:lvl1pPr>
-            <a:lvl2pPr marL="457200" indent="0" algn="ctr">
-              <a:buNone/>
-              <a:defRPr sz="2000"/>
+            <a:lvl2pPr marL="240030" indent="0" algn="ctr">
+              <a:buNone/>
+              <a:defRPr sz="1050"/>
             </a:lvl2pPr>
-            <a:lvl3pPr marL="914400" indent="0" algn="ctr">
-              <a:buNone/>
-              <a:defRPr sz="1800"/>
+            <a:lvl3pPr marL="480060" indent="0" algn="ctr">
+              <a:buNone/>
+              <a:defRPr sz="945"/>
             </a:lvl3pPr>
-            <a:lvl4pPr marL="1371600" indent="0" algn="ctr">
-              <a:buNone/>
-              <a:defRPr sz="1600"/>
+            <a:lvl4pPr marL="720090" indent="0" algn="ctr">
+              <a:buNone/>
+              <a:defRPr sz="840"/>
             </a:lvl4pPr>
-            <a:lvl5pPr marL="1828800" indent="0" algn="ctr">
-              <a:buNone/>
-              <a:defRPr sz="1600"/>
+            <a:lvl5pPr marL="960120" indent="0" algn="ctr">
+              <a:buNone/>
+              <a:defRPr sz="840"/>
             </a:lvl5pPr>
-            <a:lvl6pPr marL="2286000" indent="0" algn="ctr">
-              <a:buNone/>
-              <a:defRPr sz="1600"/>
+            <a:lvl6pPr marL="1200150" indent="0" algn="ctr">
+              <a:buNone/>
+              <a:defRPr sz="840"/>
             </a:lvl6pPr>
-            <a:lvl7pPr marL="2743200" indent="0" algn="ctr">
-              <a:buNone/>
-              <a:defRPr sz="1600"/>
+            <a:lvl7pPr marL="1440180" indent="0" algn="ctr">
+              <a:buNone/>
+              <a:defRPr sz="840"/>
             </a:lvl7pPr>
-            <a:lvl8pPr marL="3200400" indent="0" algn="ctr">
-              <a:buNone/>
-              <a:defRPr sz="1600"/>
+            <a:lvl8pPr marL="1680210" indent="0" algn="ctr">
+              <a:buNone/>
+              <a:defRPr sz="840"/>
             </a:lvl8pPr>
-            <a:lvl9pPr marL="3657600" indent="0" algn="ctr">
-              <a:buNone/>
-              <a:defRPr sz="1600"/>
+            <a:lvl9pPr marL="1920240" indent="0" algn="ctr">
+              <a:buNone/>
+              <a:defRPr sz="840"/>
             </a:lvl9pPr>
           </a:lstStyle>
           <a:p>
@@ -241,9 +241,9 @@
           <a:bodyPr/>
           <a:lstStyle/>
           <a:p>
-            <a:fld id="{B3FD49CD-0034-0441-84C5-BD61FA025A57}" type="datetimeFigureOut">
+            <a:fld id="{6FAFD778-F358-E84B-9994-15FCFEB5F68E}" type="datetimeFigureOut">
               <a:rPr lang="en-US" smtClean="0"/>
-              <a:t>3/2/20</a:t>
+              <a:t>7/19/20</a:t>
             </a:fld>
             <a:endParaRPr lang="en-US"/>
           </a:p>
@@ -283,7 +283,7 @@
           <a:bodyPr/>
           <a:lstStyle/>
           <a:p>
-            <a:fld id="{FBC658B5-A350-DE4B-8B29-42402953F3E0}" type="slidenum">
+            <a:fld id="{B663B3F2-1FF1-BF45-B852-B0FD1F47ABE9}" type="slidenum">
               <a:rPr lang="en-US" smtClean="0"/>
               <a:t>‹#›</a:t>
             </a:fld>
@@ -294,7 +294,7 @@
     </p:spTree>
     <p:extLst>
       <p:ext uri="{BB962C8B-B14F-4D97-AF65-F5344CB8AC3E}">
-        <p14:creationId xmlns:p14="http://schemas.microsoft.com/office/powerpoint/2010/main" val="1956080925"/>
+        <p14:creationId xmlns:p14="http://schemas.microsoft.com/office/powerpoint/2010/main" val="49462743"/>
       </p:ext>
     </p:extLst>
   </p:cSld>
@@ -411,9 +411,9 @@
           <a:bodyPr/>
           <a:lstStyle/>
           <a:p>
-            <a:fld id="{B3FD49CD-0034-0441-84C5-BD61FA025A57}" type="datetimeFigureOut">
+            <a:fld id="{6FAFD778-F358-E84B-9994-15FCFEB5F68E}" type="datetimeFigureOut">
               <a:rPr lang="en-US" smtClean="0"/>
-              <a:t>3/2/20</a:t>
+              <a:t>7/19/20</a:t>
             </a:fld>
             <a:endParaRPr lang="en-US"/>
           </a:p>
@@ -453,7 +453,7 @@
           <a:bodyPr/>
           <a:lstStyle/>
           <a:p>
-            <a:fld id="{FBC658B5-A350-DE4B-8B29-42402953F3E0}" type="slidenum">
+            <a:fld id="{B663B3F2-1FF1-BF45-B852-B0FD1F47ABE9}" type="slidenum">
               <a:rPr lang="en-US" smtClean="0"/>
               <a:t>‹#›</a:t>
             </a:fld>
@@ -464,7 +464,7 @@
     </p:spTree>
     <p:extLst>
       <p:ext uri="{BB962C8B-B14F-4D97-AF65-F5344CB8AC3E}">
-        <p14:creationId xmlns:p14="http://schemas.microsoft.com/office/powerpoint/2010/main" val="2366853510"/>
+        <p14:creationId xmlns:p14="http://schemas.microsoft.com/office/powerpoint/2010/main" val="2827100857"/>
       </p:ext>
     </p:extLst>
   </p:cSld>
@@ -503,8 +503,8 @@
         </p:nvSpPr>
         <p:spPr>
           <a:xfrm>
-            <a:off x="6543675" y="365125"/>
-            <a:ext cx="1971675" cy="5811838"/>
+            <a:off x="6440295" y="191691"/>
+            <a:ext cx="1940525" cy="3051215"/>
           </a:xfrm>
         </p:spPr>
         <p:txBody>
@@ -531,8 +531,8 @@
         </p:nvSpPr>
         <p:spPr>
           <a:xfrm>
-            <a:off x="628650" y="365125"/>
-            <a:ext cx="5800725" cy="5811838"/>
+            <a:off x="618718" y="191691"/>
+            <a:ext cx="5709082" cy="3051215"/>
           </a:xfrm>
         </p:spPr>
         <p:txBody>
@@ -591,9 +591,9 @@
           <a:bodyPr/>
           <a:lstStyle/>
           <a:p>
-            <a:fld id="{B3FD49CD-0034-0441-84C5-BD61FA025A57}" type="datetimeFigureOut">
+            <a:fld id="{6FAFD778-F358-E84B-9994-15FCFEB5F68E}" type="datetimeFigureOut">
               <a:rPr lang="en-US" smtClean="0"/>
-              <a:t>3/2/20</a:t>
+              <a:t>7/19/20</a:t>
             </a:fld>
             <a:endParaRPr lang="en-US"/>
           </a:p>
@@ -633,7 +633,7 @@
           <a:bodyPr/>
           <a:lstStyle/>
           <a:p>
-            <a:fld id="{FBC658B5-A350-DE4B-8B29-42402953F3E0}" type="slidenum">
+            <a:fld id="{B663B3F2-1FF1-BF45-B852-B0FD1F47ABE9}" type="slidenum">
               <a:rPr lang="en-US" smtClean="0"/>
               <a:t>‹#›</a:t>
             </a:fld>
@@ -644,7 +644,7 @@
     </p:spTree>
     <p:extLst>
       <p:ext uri="{BB962C8B-B14F-4D97-AF65-F5344CB8AC3E}">
-        <p14:creationId xmlns:p14="http://schemas.microsoft.com/office/powerpoint/2010/main" val="3457631548"/>
+        <p14:creationId xmlns:p14="http://schemas.microsoft.com/office/powerpoint/2010/main" val="1326280394"/>
       </p:ext>
     </p:extLst>
   </p:cSld>
@@ -761,9 +761,9 @@
           <a:bodyPr/>
           <a:lstStyle/>
           <a:p>
-            <a:fld id="{B3FD49CD-0034-0441-84C5-BD61FA025A57}" type="datetimeFigureOut">
+            <a:fld id="{6FAFD778-F358-E84B-9994-15FCFEB5F68E}" type="datetimeFigureOut">
               <a:rPr lang="en-US" smtClean="0"/>
-              <a:t>3/2/20</a:t>
+              <a:t>7/19/20</a:t>
             </a:fld>
             <a:endParaRPr lang="en-US"/>
           </a:p>
@@ -803,7 +803,7 @@
           <a:bodyPr/>
           <a:lstStyle/>
           <a:p>
-            <a:fld id="{FBC658B5-A350-DE4B-8B29-42402953F3E0}" type="slidenum">
+            <a:fld id="{B663B3F2-1FF1-BF45-B852-B0FD1F47ABE9}" type="slidenum">
               <a:rPr lang="en-US" smtClean="0"/>
               <a:t>‹#›</a:t>
             </a:fld>
@@ -814,7 +814,7 @@
     </p:spTree>
     <p:extLst>
       <p:ext uri="{BB962C8B-B14F-4D97-AF65-F5344CB8AC3E}">
-        <p14:creationId xmlns:p14="http://schemas.microsoft.com/office/powerpoint/2010/main" val="4279918713"/>
+        <p14:creationId xmlns:p14="http://schemas.microsoft.com/office/powerpoint/2010/main" val="2458028137"/>
       </p:ext>
     </p:extLst>
   </p:cSld>
@@ -853,15 +853,15 @@
         </p:nvSpPr>
         <p:spPr>
           <a:xfrm>
-            <a:off x="623888" y="1709739"/>
-            <a:ext cx="7886700" cy="2852737"/>
+            <a:off x="614031" y="897613"/>
+            <a:ext cx="7762102" cy="1497687"/>
           </a:xfrm>
         </p:spPr>
         <p:txBody>
           <a:bodyPr anchor="b"/>
           <a:lstStyle>
             <a:lvl1pPr>
-              <a:defRPr sz="6000"/>
+              <a:defRPr sz="3150"/>
             </a:lvl1pPr>
           </a:lstStyle>
           <a:p>
@@ -885,8 +885,8 @@
         </p:nvSpPr>
         <p:spPr>
           <a:xfrm>
-            <a:off x="623888" y="4589464"/>
-            <a:ext cx="7886700" cy="1500187"/>
+            <a:off x="614031" y="2409468"/>
+            <a:ext cx="7762102" cy="787598"/>
           </a:xfrm>
         </p:spPr>
         <p:txBody>
@@ -894,15 +894,17 @@
           <a:lstStyle>
             <a:lvl1pPr marL="0" indent="0">
               <a:buNone/>
-              <a:defRPr sz="2400">
+              <a:defRPr sz="1260">
                 <a:solidFill>
-                  <a:schemeClr val="tx1"/>
+                  <a:schemeClr val="tx1">
+                    <a:tint val="75000"/>
+                  </a:schemeClr>
                 </a:solidFill>
               </a:defRPr>
             </a:lvl1pPr>
-            <a:lvl2pPr marL="457200" indent="0">
-              <a:buNone/>
-              <a:defRPr sz="2000">
+            <a:lvl2pPr marL="240030" indent="0">
+              <a:buNone/>
+              <a:defRPr sz="1050">
                 <a:solidFill>
                   <a:schemeClr val="tx1">
                     <a:tint val="75000"/>
@@ -910,9 +912,9 @@
                 </a:solidFill>
               </a:defRPr>
             </a:lvl2pPr>
-            <a:lvl3pPr marL="914400" indent="0">
-              <a:buNone/>
-              <a:defRPr sz="1800">
+            <a:lvl3pPr marL="480060" indent="0">
+              <a:buNone/>
+              <a:defRPr sz="945">
                 <a:solidFill>
                   <a:schemeClr val="tx1">
                     <a:tint val="75000"/>
@@ -920,9 +922,9 @@
                 </a:solidFill>
               </a:defRPr>
             </a:lvl3pPr>
-            <a:lvl4pPr marL="1371600" indent="0">
-              <a:buNone/>
-              <a:defRPr sz="1600">
+            <a:lvl4pPr marL="720090" indent="0">
+              <a:buNone/>
+              <a:defRPr sz="840">
                 <a:solidFill>
                   <a:schemeClr val="tx1">
                     <a:tint val="75000"/>
@@ -930,9 +932,9 @@
                 </a:solidFill>
               </a:defRPr>
             </a:lvl4pPr>
-            <a:lvl5pPr marL="1828800" indent="0">
-              <a:buNone/>
-              <a:defRPr sz="1600">
+            <a:lvl5pPr marL="960120" indent="0">
+              <a:buNone/>
+              <a:defRPr sz="840">
                 <a:solidFill>
                   <a:schemeClr val="tx1">
                     <a:tint val="75000"/>
@@ -940,9 +942,9 @@
                 </a:solidFill>
               </a:defRPr>
             </a:lvl5pPr>
-            <a:lvl6pPr marL="2286000" indent="0">
-              <a:buNone/>
-              <a:defRPr sz="1600">
+            <a:lvl6pPr marL="1200150" indent="0">
+              <a:buNone/>
+              <a:defRPr sz="840">
                 <a:solidFill>
                   <a:schemeClr val="tx1">
                     <a:tint val="75000"/>
@@ -950,9 +952,9 @@
                 </a:solidFill>
               </a:defRPr>
             </a:lvl6pPr>
-            <a:lvl7pPr marL="2743200" indent="0">
-              <a:buNone/>
-              <a:defRPr sz="1600">
+            <a:lvl7pPr marL="1440180" indent="0">
+              <a:buNone/>
+              <a:defRPr sz="840">
                 <a:solidFill>
                   <a:schemeClr val="tx1">
                     <a:tint val="75000"/>
@@ -960,9 +962,9 @@
                 </a:solidFill>
               </a:defRPr>
             </a:lvl7pPr>
-            <a:lvl8pPr marL="3200400" indent="0">
-              <a:buNone/>
-              <a:defRPr sz="1600">
+            <a:lvl8pPr marL="1680210" indent="0">
+              <a:buNone/>
+              <a:defRPr sz="840">
                 <a:solidFill>
                   <a:schemeClr val="tx1">
                     <a:tint val="75000"/>
@@ -970,9 +972,9 @@
                 </a:solidFill>
               </a:defRPr>
             </a:lvl8pPr>
-            <a:lvl9pPr marL="3657600" indent="0">
-              <a:buNone/>
-              <a:defRPr sz="1600">
+            <a:lvl9pPr marL="1920240" indent="0">
+              <a:buNone/>
+              <a:defRPr sz="840">
                 <a:solidFill>
                   <a:schemeClr val="tx1">
                     <a:tint val="75000"/>
@@ -1005,9 +1007,9 @@
           <a:bodyPr/>
           <a:lstStyle/>
           <a:p>
-            <a:fld id="{B3FD49CD-0034-0441-84C5-BD61FA025A57}" type="datetimeFigureOut">
+            <a:fld id="{6FAFD778-F358-E84B-9994-15FCFEB5F68E}" type="datetimeFigureOut">
               <a:rPr lang="en-US" smtClean="0"/>
-              <a:t>3/2/20</a:t>
+              <a:t>7/19/20</a:t>
             </a:fld>
             <a:endParaRPr lang="en-US"/>
           </a:p>
@@ -1047,7 +1049,7 @@
           <a:bodyPr/>
           <a:lstStyle/>
           <a:p>
-            <a:fld id="{FBC658B5-A350-DE4B-8B29-42402953F3E0}" type="slidenum">
+            <a:fld id="{B663B3F2-1FF1-BF45-B852-B0FD1F47ABE9}" type="slidenum">
               <a:rPr lang="en-US" smtClean="0"/>
               <a:t>‹#›</a:t>
             </a:fld>
@@ -1058,7 +1060,7 @@
     </p:spTree>
     <p:extLst>
       <p:ext uri="{BB962C8B-B14F-4D97-AF65-F5344CB8AC3E}">
-        <p14:creationId xmlns:p14="http://schemas.microsoft.com/office/powerpoint/2010/main" val="442590880"/>
+        <p14:creationId xmlns:p14="http://schemas.microsoft.com/office/powerpoint/2010/main" val="1108762082"/>
       </p:ext>
     </p:extLst>
   </p:cSld>
@@ -1120,8 +1122,8 @@
         </p:nvSpPr>
         <p:spPr>
           <a:xfrm>
-            <a:off x="628650" y="1825625"/>
-            <a:ext cx="3886200" cy="4351338"/>
+            <a:off x="618718" y="958453"/>
+            <a:ext cx="3824804" cy="2284452"/>
           </a:xfrm>
         </p:spPr>
         <p:txBody>
@@ -1177,8 +1179,8 @@
         </p:nvSpPr>
         <p:spPr>
           <a:xfrm>
-            <a:off x="4629150" y="1825625"/>
-            <a:ext cx="3886200" cy="4351338"/>
+            <a:off x="4556016" y="958453"/>
+            <a:ext cx="3824804" cy="2284452"/>
           </a:xfrm>
         </p:spPr>
         <p:txBody>
@@ -1237,9 +1239,9 @@
           <a:bodyPr/>
           <a:lstStyle/>
           <a:p>
-            <a:fld id="{B3FD49CD-0034-0441-84C5-BD61FA025A57}" type="datetimeFigureOut">
+            <a:fld id="{6FAFD778-F358-E84B-9994-15FCFEB5F68E}" type="datetimeFigureOut">
               <a:rPr lang="en-US" smtClean="0"/>
-              <a:t>3/2/20</a:t>
+              <a:t>7/19/20</a:t>
             </a:fld>
             <a:endParaRPr lang="en-US"/>
           </a:p>
@@ -1279,7 +1281,7 @@
           <a:bodyPr/>
           <a:lstStyle/>
           <a:p>
-            <a:fld id="{FBC658B5-A350-DE4B-8B29-42402953F3E0}" type="slidenum">
+            <a:fld id="{B663B3F2-1FF1-BF45-B852-B0FD1F47ABE9}" type="slidenum">
               <a:rPr lang="en-US" smtClean="0"/>
               <a:t>‹#›</a:t>
             </a:fld>
@@ -1290,7 +1292,7 @@
     </p:spTree>
     <p:extLst>
       <p:ext uri="{BB962C8B-B14F-4D97-AF65-F5344CB8AC3E}">
-        <p14:creationId xmlns:p14="http://schemas.microsoft.com/office/powerpoint/2010/main" val="367406079"/>
+        <p14:creationId xmlns:p14="http://schemas.microsoft.com/office/powerpoint/2010/main" val="3280578975"/>
       </p:ext>
     </p:extLst>
   </p:cSld>
@@ -1329,8 +1331,8 @@
         </p:nvSpPr>
         <p:spPr>
           <a:xfrm>
-            <a:off x="629841" y="365126"/>
-            <a:ext cx="7886700" cy="1325563"/>
+            <a:off x="619890" y="191691"/>
+            <a:ext cx="7762102" cy="695921"/>
           </a:xfrm>
         </p:spPr>
         <p:txBody>
@@ -1357,8 +1359,8 @@
         </p:nvSpPr>
         <p:spPr>
           <a:xfrm>
-            <a:off x="629842" y="1681163"/>
-            <a:ext cx="3868340" cy="823912"/>
+            <a:off x="619891" y="882610"/>
+            <a:ext cx="3807226" cy="432554"/>
           </a:xfrm>
         </p:spPr>
         <p:txBody>
@@ -1366,39 +1368,39 @@
           <a:lstStyle>
             <a:lvl1pPr marL="0" indent="0">
               <a:buNone/>
-              <a:defRPr sz="2400" b="1"/>
+              <a:defRPr sz="1260" b="1"/>
             </a:lvl1pPr>
-            <a:lvl2pPr marL="457200" indent="0">
-              <a:buNone/>
-              <a:defRPr sz="2000" b="1"/>
+            <a:lvl2pPr marL="240030" indent="0">
+              <a:buNone/>
+              <a:defRPr sz="1050" b="1"/>
             </a:lvl2pPr>
-            <a:lvl3pPr marL="914400" indent="0">
-              <a:buNone/>
-              <a:defRPr sz="1800" b="1"/>
+            <a:lvl3pPr marL="480060" indent="0">
+              <a:buNone/>
+              <a:defRPr sz="945" b="1"/>
             </a:lvl3pPr>
-            <a:lvl4pPr marL="1371600" indent="0">
-              <a:buNone/>
-              <a:defRPr sz="1600" b="1"/>
+            <a:lvl4pPr marL="720090" indent="0">
+              <a:buNone/>
+              <a:defRPr sz="840" b="1"/>
             </a:lvl4pPr>
-            <a:lvl5pPr marL="1828800" indent="0">
-              <a:buNone/>
-              <a:defRPr sz="1600" b="1"/>
+            <a:lvl5pPr marL="960120" indent="0">
+              <a:buNone/>
+              <a:defRPr sz="840" b="1"/>
             </a:lvl5pPr>
-            <a:lvl6pPr marL="2286000" indent="0">
-              <a:buNone/>
-              <a:defRPr sz="1600" b="1"/>
+            <a:lvl6pPr marL="1200150" indent="0">
+              <a:buNone/>
+              <a:defRPr sz="840" b="1"/>
             </a:lvl6pPr>
-            <a:lvl7pPr marL="2743200" indent="0">
-              <a:buNone/>
-              <a:defRPr sz="1600" b="1"/>
+            <a:lvl7pPr marL="1440180" indent="0">
+              <a:buNone/>
+              <a:defRPr sz="840" b="1"/>
             </a:lvl7pPr>
-            <a:lvl8pPr marL="3200400" indent="0">
-              <a:buNone/>
-              <a:defRPr sz="1600" b="1"/>
+            <a:lvl8pPr marL="1680210" indent="0">
+              <a:buNone/>
+              <a:defRPr sz="840" b="1"/>
             </a:lvl8pPr>
-            <a:lvl9pPr marL="3657600" indent="0">
-              <a:buNone/>
-              <a:defRPr sz="1600" b="1"/>
+            <a:lvl9pPr marL="1920240" indent="0">
+              <a:buNone/>
+              <a:defRPr sz="840" b="1"/>
             </a:lvl9pPr>
           </a:lstStyle>
           <a:p>
@@ -1422,8 +1424,8 @@
         </p:nvSpPr>
         <p:spPr>
           <a:xfrm>
-            <a:off x="629842" y="2505075"/>
-            <a:ext cx="3868340" cy="3684588"/>
+            <a:off x="619891" y="1315164"/>
+            <a:ext cx="3807226" cy="1934409"/>
           </a:xfrm>
         </p:spPr>
         <p:txBody>
@@ -1479,8 +1481,8 @@
         </p:nvSpPr>
         <p:spPr>
           <a:xfrm>
-            <a:off x="4629150" y="1681163"/>
-            <a:ext cx="3887391" cy="823912"/>
+            <a:off x="4556016" y="882610"/>
+            <a:ext cx="3825976" cy="432554"/>
           </a:xfrm>
         </p:spPr>
         <p:txBody>
@@ -1488,39 +1490,39 @@
           <a:lstStyle>
             <a:lvl1pPr marL="0" indent="0">
               <a:buNone/>
-              <a:defRPr sz="2400" b="1"/>
+              <a:defRPr sz="1260" b="1"/>
             </a:lvl1pPr>
-            <a:lvl2pPr marL="457200" indent="0">
-              <a:buNone/>
-              <a:defRPr sz="2000" b="1"/>
+            <a:lvl2pPr marL="240030" indent="0">
+              <a:buNone/>
+              <a:defRPr sz="1050" b="1"/>
             </a:lvl2pPr>
-            <a:lvl3pPr marL="914400" indent="0">
-              <a:buNone/>
-              <a:defRPr sz="1800" b="1"/>
+            <a:lvl3pPr marL="480060" indent="0">
+              <a:buNone/>
+              <a:defRPr sz="945" b="1"/>
             </a:lvl3pPr>
-            <a:lvl4pPr marL="1371600" indent="0">
-              <a:buNone/>
-              <a:defRPr sz="1600" b="1"/>
+            <a:lvl4pPr marL="720090" indent="0">
+              <a:buNone/>
+              <a:defRPr sz="840" b="1"/>
             </a:lvl4pPr>
-            <a:lvl5pPr marL="1828800" indent="0">
-              <a:buNone/>
-              <a:defRPr sz="1600" b="1"/>
+            <a:lvl5pPr marL="960120" indent="0">
+              <a:buNone/>
+              <a:defRPr sz="840" b="1"/>
             </a:lvl5pPr>
-            <a:lvl6pPr marL="2286000" indent="0">
-              <a:buNone/>
-              <a:defRPr sz="1600" b="1"/>
+            <a:lvl6pPr marL="1200150" indent="0">
+              <a:buNone/>
+              <a:defRPr sz="840" b="1"/>
             </a:lvl6pPr>
-            <a:lvl7pPr marL="2743200" indent="0">
-              <a:buNone/>
-              <a:defRPr sz="1600" b="1"/>
+            <a:lvl7pPr marL="1440180" indent="0">
+              <a:buNone/>
+              <a:defRPr sz="840" b="1"/>
             </a:lvl7pPr>
-            <a:lvl8pPr marL="3200400" indent="0">
-              <a:buNone/>
-              <a:defRPr sz="1600" b="1"/>
+            <a:lvl8pPr marL="1680210" indent="0">
+              <a:buNone/>
+              <a:defRPr sz="840" b="1"/>
             </a:lvl8pPr>
-            <a:lvl9pPr marL="3657600" indent="0">
-              <a:buNone/>
-              <a:defRPr sz="1600" b="1"/>
+            <a:lvl9pPr marL="1920240" indent="0">
+              <a:buNone/>
+              <a:defRPr sz="840" b="1"/>
             </a:lvl9pPr>
           </a:lstStyle>
           <a:p>
@@ -1544,8 +1546,8 @@
         </p:nvSpPr>
         <p:spPr>
           <a:xfrm>
-            <a:off x="4629150" y="2505075"/>
-            <a:ext cx="3887391" cy="3684588"/>
+            <a:off x="4556016" y="1315164"/>
+            <a:ext cx="3825976" cy="1934409"/>
           </a:xfrm>
         </p:spPr>
         <p:txBody>
@@ -1604,9 +1606,9 @@
           <a:bodyPr/>
           <a:lstStyle/>
           <a:p>
-            <a:fld id="{B3FD49CD-0034-0441-84C5-BD61FA025A57}" type="datetimeFigureOut">
+            <a:fld id="{6FAFD778-F358-E84B-9994-15FCFEB5F68E}" type="datetimeFigureOut">
               <a:rPr lang="en-US" smtClean="0"/>
-              <a:t>3/2/20</a:t>
+              <a:t>7/19/20</a:t>
             </a:fld>
             <a:endParaRPr lang="en-US"/>
           </a:p>
@@ -1646,7 +1648,7 @@
           <a:bodyPr/>
           <a:lstStyle/>
           <a:p>
-            <a:fld id="{FBC658B5-A350-DE4B-8B29-42402953F3E0}" type="slidenum">
+            <a:fld id="{B663B3F2-1FF1-BF45-B852-B0FD1F47ABE9}" type="slidenum">
               <a:rPr lang="en-US" smtClean="0"/>
               <a:t>‹#›</a:t>
             </a:fld>
@@ -1657,7 +1659,7 @@
     </p:spTree>
     <p:extLst>
       <p:ext uri="{BB962C8B-B14F-4D97-AF65-F5344CB8AC3E}">
-        <p14:creationId xmlns:p14="http://schemas.microsoft.com/office/powerpoint/2010/main" val="3483369772"/>
+        <p14:creationId xmlns:p14="http://schemas.microsoft.com/office/powerpoint/2010/main" val="1956711647"/>
       </p:ext>
     </p:extLst>
   </p:cSld>
@@ -1722,9 +1724,9 @@
           <a:bodyPr/>
           <a:lstStyle/>
           <a:p>
-            <a:fld id="{B3FD49CD-0034-0441-84C5-BD61FA025A57}" type="datetimeFigureOut">
+            <a:fld id="{6FAFD778-F358-E84B-9994-15FCFEB5F68E}" type="datetimeFigureOut">
               <a:rPr lang="en-US" smtClean="0"/>
-              <a:t>3/2/20</a:t>
+              <a:t>7/19/20</a:t>
             </a:fld>
             <a:endParaRPr lang="en-US"/>
           </a:p>
@@ -1764,7 +1766,7 @@
           <a:bodyPr/>
           <a:lstStyle/>
           <a:p>
-            <a:fld id="{FBC658B5-A350-DE4B-8B29-42402953F3E0}" type="slidenum">
+            <a:fld id="{B663B3F2-1FF1-BF45-B852-B0FD1F47ABE9}" type="slidenum">
               <a:rPr lang="en-US" smtClean="0"/>
               <a:t>‹#›</a:t>
             </a:fld>
@@ -1775,7 +1777,7 @@
     </p:spTree>
     <p:extLst>
       <p:ext uri="{BB962C8B-B14F-4D97-AF65-F5344CB8AC3E}">
-        <p14:creationId xmlns:p14="http://schemas.microsoft.com/office/powerpoint/2010/main" val="4206188157"/>
+        <p14:creationId xmlns:p14="http://schemas.microsoft.com/office/powerpoint/2010/main" val="1636752819"/>
       </p:ext>
     </p:extLst>
   </p:cSld>
@@ -1817,9 +1819,9 @@
           <a:bodyPr/>
           <a:lstStyle/>
           <a:p>
-            <a:fld id="{B3FD49CD-0034-0441-84C5-BD61FA025A57}" type="datetimeFigureOut">
+            <a:fld id="{6FAFD778-F358-E84B-9994-15FCFEB5F68E}" type="datetimeFigureOut">
               <a:rPr lang="en-US" smtClean="0"/>
-              <a:t>3/2/20</a:t>
+              <a:t>7/19/20</a:t>
             </a:fld>
             <a:endParaRPr lang="en-US"/>
           </a:p>
@@ -1859,7 +1861,7 @@
           <a:bodyPr/>
           <a:lstStyle/>
           <a:p>
-            <a:fld id="{FBC658B5-A350-DE4B-8B29-42402953F3E0}" type="slidenum">
+            <a:fld id="{B663B3F2-1FF1-BF45-B852-B0FD1F47ABE9}" type="slidenum">
               <a:rPr lang="en-US" smtClean="0"/>
               <a:t>‹#›</a:t>
             </a:fld>
@@ -1870,7 +1872,7 @@
     </p:spTree>
     <p:extLst>
       <p:ext uri="{BB962C8B-B14F-4D97-AF65-F5344CB8AC3E}">
-        <p14:creationId xmlns:p14="http://schemas.microsoft.com/office/powerpoint/2010/main" val="3235987996"/>
+        <p14:creationId xmlns:p14="http://schemas.microsoft.com/office/powerpoint/2010/main" val="1477233301"/>
       </p:ext>
     </p:extLst>
   </p:cSld>
@@ -1909,15 +1911,15 @@
         </p:nvSpPr>
         <p:spPr>
           <a:xfrm>
-            <a:off x="629841" y="457200"/>
-            <a:ext cx="2949178" cy="1600200"/>
+            <a:off x="619891" y="240030"/>
+            <a:ext cx="2902585" cy="840105"/>
           </a:xfrm>
         </p:spPr>
         <p:txBody>
           <a:bodyPr anchor="b"/>
           <a:lstStyle>
             <a:lvl1pPr>
-              <a:defRPr sz="3200"/>
+              <a:defRPr sz="1680"/>
             </a:lvl1pPr>
           </a:lstStyle>
           <a:p>
@@ -1941,39 +1943,39 @@
         </p:nvSpPr>
         <p:spPr>
           <a:xfrm>
-            <a:off x="3887391" y="987426"/>
-            <a:ext cx="4629150" cy="4873625"/>
+            <a:off x="3825976" y="518398"/>
+            <a:ext cx="4556016" cy="2558653"/>
           </a:xfrm>
         </p:spPr>
         <p:txBody>
           <a:bodyPr/>
           <a:lstStyle>
             <a:lvl1pPr>
-              <a:defRPr sz="3200"/>
+              <a:defRPr sz="1680"/>
             </a:lvl1pPr>
             <a:lvl2pPr>
-              <a:defRPr sz="2800"/>
+              <a:defRPr sz="1470"/>
             </a:lvl2pPr>
             <a:lvl3pPr>
-              <a:defRPr sz="2400"/>
+              <a:defRPr sz="1260"/>
             </a:lvl3pPr>
             <a:lvl4pPr>
-              <a:defRPr sz="2000"/>
+              <a:defRPr sz="1050"/>
             </a:lvl4pPr>
             <a:lvl5pPr>
-              <a:defRPr sz="2000"/>
+              <a:defRPr sz="1050"/>
             </a:lvl5pPr>
             <a:lvl6pPr>
-              <a:defRPr sz="2000"/>
+              <a:defRPr sz="1050"/>
             </a:lvl6pPr>
             <a:lvl7pPr>
-              <a:defRPr sz="2000"/>
+              <a:defRPr sz="1050"/>
             </a:lvl7pPr>
             <a:lvl8pPr>
-              <a:defRPr sz="2000"/>
+              <a:defRPr sz="1050"/>
             </a:lvl8pPr>
             <a:lvl9pPr>
-              <a:defRPr sz="2000"/>
+              <a:defRPr sz="1050"/>
             </a:lvl9pPr>
           </a:lstStyle>
           <a:p>
@@ -2026,8 +2028,8 @@
         </p:nvSpPr>
         <p:spPr>
           <a:xfrm>
-            <a:off x="629841" y="2057400"/>
-            <a:ext cx="2949178" cy="3811588"/>
+            <a:off x="619891" y="1080135"/>
+            <a:ext cx="2902585" cy="2001084"/>
           </a:xfrm>
         </p:spPr>
         <p:txBody>
@@ -2035,39 +2037,39 @@
           <a:lstStyle>
             <a:lvl1pPr marL="0" indent="0">
               <a:buNone/>
-              <a:defRPr sz="1600"/>
+              <a:defRPr sz="840"/>
             </a:lvl1pPr>
-            <a:lvl2pPr marL="457200" indent="0">
-              <a:buNone/>
-              <a:defRPr sz="1400"/>
+            <a:lvl2pPr marL="240030" indent="0">
+              <a:buNone/>
+              <a:defRPr sz="735"/>
             </a:lvl2pPr>
-            <a:lvl3pPr marL="914400" indent="0">
-              <a:buNone/>
-              <a:defRPr sz="1200"/>
+            <a:lvl3pPr marL="480060" indent="0">
+              <a:buNone/>
+              <a:defRPr sz="630"/>
             </a:lvl3pPr>
-            <a:lvl4pPr marL="1371600" indent="0">
-              <a:buNone/>
-              <a:defRPr sz="1000"/>
+            <a:lvl4pPr marL="720090" indent="0">
+              <a:buNone/>
+              <a:defRPr sz="525"/>
             </a:lvl4pPr>
-            <a:lvl5pPr marL="1828800" indent="0">
-              <a:buNone/>
-              <a:defRPr sz="1000"/>
+            <a:lvl5pPr marL="960120" indent="0">
+              <a:buNone/>
+              <a:defRPr sz="525"/>
             </a:lvl5pPr>
-            <a:lvl6pPr marL="2286000" indent="0">
-              <a:buNone/>
-              <a:defRPr sz="1000"/>
+            <a:lvl6pPr marL="1200150" indent="0">
+              <a:buNone/>
+              <a:defRPr sz="525"/>
             </a:lvl6pPr>
-            <a:lvl7pPr marL="2743200" indent="0">
-              <a:buNone/>
-              <a:defRPr sz="1000"/>
+            <a:lvl7pPr marL="1440180" indent="0">
+              <a:buNone/>
+              <a:defRPr sz="525"/>
             </a:lvl7pPr>
-            <a:lvl8pPr marL="3200400" indent="0">
-              <a:buNone/>
-              <a:defRPr sz="1000"/>
+            <a:lvl8pPr marL="1680210" indent="0">
+              <a:buNone/>
+              <a:defRPr sz="525"/>
             </a:lvl8pPr>
-            <a:lvl9pPr marL="3657600" indent="0">
-              <a:buNone/>
-              <a:defRPr sz="1000"/>
+            <a:lvl9pPr marL="1920240" indent="0">
+              <a:buNone/>
+              <a:defRPr sz="525"/>
             </a:lvl9pPr>
           </a:lstStyle>
           <a:p>
@@ -2094,9 +2096,9 @@
           <a:bodyPr/>
           <a:lstStyle/>
           <a:p>
-            <a:fld id="{B3FD49CD-0034-0441-84C5-BD61FA025A57}" type="datetimeFigureOut">
+            <a:fld id="{6FAFD778-F358-E84B-9994-15FCFEB5F68E}" type="datetimeFigureOut">
               <a:rPr lang="en-US" smtClean="0"/>
-              <a:t>3/2/20</a:t>
+              <a:t>7/19/20</a:t>
             </a:fld>
             <a:endParaRPr lang="en-US"/>
           </a:p>
@@ -2136,7 +2138,7 @@
           <a:bodyPr/>
           <a:lstStyle/>
           <a:p>
-            <a:fld id="{FBC658B5-A350-DE4B-8B29-42402953F3E0}" type="slidenum">
+            <a:fld id="{B663B3F2-1FF1-BF45-B852-B0FD1F47ABE9}" type="slidenum">
               <a:rPr lang="en-US" smtClean="0"/>
               <a:t>‹#›</a:t>
             </a:fld>
@@ -2147,7 +2149,7 @@
     </p:spTree>
     <p:extLst>
       <p:ext uri="{BB962C8B-B14F-4D97-AF65-F5344CB8AC3E}">
-        <p14:creationId xmlns:p14="http://schemas.microsoft.com/office/powerpoint/2010/main" val="3684351296"/>
+        <p14:creationId xmlns:p14="http://schemas.microsoft.com/office/powerpoint/2010/main" val="1008760493"/>
       </p:ext>
     </p:extLst>
   </p:cSld>
@@ -2186,15 +2188,15 @@
         </p:nvSpPr>
         <p:spPr>
           <a:xfrm>
-            <a:off x="629841" y="457200"/>
-            <a:ext cx="2949178" cy="1600200"/>
+            <a:off x="619891" y="240030"/>
+            <a:ext cx="2902585" cy="840105"/>
           </a:xfrm>
         </p:spPr>
         <p:txBody>
           <a:bodyPr anchor="b"/>
           <a:lstStyle>
             <a:lvl1pPr>
-              <a:defRPr sz="3200"/>
+              <a:defRPr sz="1680"/>
             </a:lvl1pPr>
           </a:lstStyle>
           <a:p>
@@ -2218,8 +2220,8 @@
         </p:nvSpPr>
         <p:spPr>
           <a:xfrm>
-            <a:off x="3887391" y="987426"/>
-            <a:ext cx="4629150" cy="4873625"/>
+            <a:off x="3825976" y="518398"/>
+            <a:ext cx="4556016" cy="2558653"/>
           </a:xfrm>
         </p:spPr>
         <p:txBody>
@@ -2227,39 +2229,39 @@
           <a:lstStyle>
             <a:lvl1pPr marL="0" indent="0">
               <a:buNone/>
-              <a:defRPr sz="3200"/>
+              <a:defRPr sz="1680"/>
             </a:lvl1pPr>
-            <a:lvl2pPr marL="457200" indent="0">
-              <a:buNone/>
-              <a:defRPr sz="2800"/>
+            <a:lvl2pPr marL="240030" indent="0">
+              <a:buNone/>
+              <a:defRPr sz="1470"/>
             </a:lvl2pPr>
-            <a:lvl3pPr marL="914400" indent="0">
-              <a:buNone/>
-              <a:defRPr sz="2400"/>
+            <a:lvl3pPr marL="480060" indent="0">
+              <a:buNone/>
+              <a:defRPr sz="1260"/>
             </a:lvl3pPr>
-            <a:lvl4pPr marL="1371600" indent="0">
-              <a:buNone/>
-              <a:defRPr sz="2000"/>
+            <a:lvl4pPr marL="720090" indent="0">
+              <a:buNone/>
+              <a:defRPr sz="1050"/>
             </a:lvl4pPr>
-            <a:lvl5pPr marL="1828800" indent="0">
-              <a:buNone/>
-              <a:defRPr sz="2000"/>
+            <a:lvl5pPr marL="960120" indent="0">
+              <a:buNone/>
+              <a:defRPr sz="1050"/>
             </a:lvl5pPr>
-            <a:lvl6pPr marL="2286000" indent="0">
-              <a:buNone/>
-              <a:defRPr sz="2000"/>
+            <a:lvl6pPr marL="1200150" indent="0">
+              <a:buNone/>
+              <a:defRPr sz="1050"/>
             </a:lvl6pPr>
-            <a:lvl7pPr marL="2743200" indent="0">
-              <a:buNone/>
-              <a:defRPr sz="2000"/>
+            <a:lvl7pPr marL="1440180" indent="0">
+              <a:buNone/>
+              <a:defRPr sz="1050"/>
             </a:lvl7pPr>
-            <a:lvl8pPr marL="3200400" indent="0">
-              <a:buNone/>
-              <a:defRPr sz="2000"/>
+            <a:lvl8pPr marL="1680210" indent="0">
+              <a:buNone/>
+              <a:defRPr sz="1050"/>
             </a:lvl8pPr>
-            <a:lvl9pPr marL="3657600" indent="0">
-              <a:buNone/>
-              <a:defRPr sz="2000"/>
+            <a:lvl9pPr marL="1920240" indent="0">
+              <a:buNone/>
+              <a:defRPr sz="1050"/>
             </a:lvl9pPr>
           </a:lstStyle>
           <a:p>
@@ -2283,8 +2285,8 @@
         </p:nvSpPr>
         <p:spPr>
           <a:xfrm>
-            <a:off x="629841" y="2057400"/>
-            <a:ext cx="2949178" cy="3811588"/>
+            <a:off x="619891" y="1080135"/>
+            <a:ext cx="2902585" cy="2001084"/>
           </a:xfrm>
         </p:spPr>
         <p:txBody>
@@ -2292,39 +2294,39 @@
           <a:lstStyle>
             <a:lvl1pPr marL="0" indent="0">
               <a:buNone/>
-              <a:defRPr sz="1600"/>
+              <a:defRPr sz="840"/>
             </a:lvl1pPr>
-            <a:lvl2pPr marL="457200" indent="0">
-              <a:buNone/>
-              <a:defRPr sz="1400"/>
+            <a:lvl2pPr marL="240030" indent="0">
+              <a:buNone/>
+              <a:defRPr sz="735"/>
             </a:lvl2pPr>
-            <a:lvl3pPr marL="914400" indent="0">
-              <a:buNone/>
-              <a:defRPr sz="1200"/>
+            <a:lvl3pPr marL="480060" indent="0">
+              <a:buNone/>
+              <a:defRPr sz="630"/>
             </a:lvl3pPr>
-            <a:lvl4pPr marL="1371600" indent="0">
-              <a:buNone/>
-              <a:defRPr sz="1000"/>
+            <a:lvl4pPr marL="720090" indent="0">
+              <a:buNone/>
+              <a:defRPr sz="525"/>
             </a:lvl4pPr>
-            <a:lvl5pPr marL="1828800" indent="0">
-              <a:buNone/>
-              <a:defRPr sz="1000"/>
+            <a:lvl5pPr marL="960120" indent="0">
+              <a:buNone/>
+              <a:defRPr sz="525"/>
             </a:lvl5pPr>
-            <a:lvl6pPr marL="2286000" indent="0">
-              <a:buNone/>
-              <a:defRPr sz="1000"/>
+            <a:lvl6pPr marL="1200150" indent="0">
+              <a:buNone/>
+              <a:defRPr sz="525"/>
             </a:lvl6pPr>
-            <a:lvl7pPr marL="2743200" indent="0">
-              <a:buNone/>
-              <a:defRPr sz="1000"/>
+            <a:lvl7pPr marL="1440180" indent="0">
+              <a:buNone/>
+              <a:defRPr sz="525"/>
             </a:lvl7pPr>
-            <a:lvl8pPr marL="3200400" indent="0">
-              <a:buNone/>
-              <a:defRPr sz="1000"/>
+            <a:lvl8pPr marL="1680210" indent="0">
+              <a:buNone/>
+              <a:defRPr sz="525"/>
             </a:lvl8pPr>
-            <a:lvl9pPr marL="3657600" indent="0">
-              <a:buNone/>
-              <a:defRPr sz="1000"/>
+            <a:lvl9pPr marL="1920240" indent="0">
+              <a:buNone/>
+              <a:defRPr sz="525"/>
             </a:lvl9pPr>
           </a:lstStyle>
           <a:p>
@@ -2351,9 +2353,9 @@
           <a:bodyPr/>
           <a:lstStyle/>
           <a:p>
-            <a:fld id="{B3FD49CD-0034-0441-84C5-BD61FA025A57}" type="datetimeFigureOut">
+            <a:fld id="{6FAFD778-F358-E84B-9994-15FCFEB5F68E}" type="datetimeFigureOut">
               <a:rPr lang="en-US" smtClean="0"/>
-              <a:t>3/2/20</a:t>
+              <a:t>7/19/20</a:t>
             </a:fld>
             <a:endParaRPr lang="en-US"/>
           </a:p>
@@ -2393,7 +2395,7 @@
           <a:bodyPr/>
           <a:lstStyle/>
           <a:p>
-            <a:fld id="{FBC658B5-A350-DE4B-8B29-42402953F3E0}" type="slidenum">
+            <a:fld id="{B663B3F2-1FF1-BF45-B852-B0FD1F47ABE9}" type="slidenum">
               <a:rPr lang="en-US" smtClean="0"/>
               <a:t>‹#›</a:t>
             </a:fld>
@@ -2404,7 +2406,7 @@
     </p:spTree>
     <p:extLst>
       <p:ext uri="{BB962C8B-B14F-4D97-AF65-F5344CB8AC3E}">
-        <p14:creationId xmlns:p14="http://schemas.microsoft.com/office/powerpoint/2010/main" val="1060378648"/>
+        <p14:creationId xmlns:p14="http://schemas.microsoft.com/office/powerpoint/2010/main" val="4045418358"/>
       </p:ext>
     </p:extLst>
   </p:cSld>
@@ -2448,8 +2450,8 @@
         </p:nvSpPr>
         <p:spPr>
           <a:xfrm>
-            <a:off x="628650" y="365126"/>
-            <a:ext cx="7886700" cy="1325563"/>
+            <a:off x="618718" y="191691"/>
+            <a:ext cx="7762102" cy="695921"/>
           </a:xfrm>
           <a:prstGeom prst="rect">
             <a:avLst/>
@@ -2481,8 +2483,8 @@
         </p:nvSpPr>
         <p:spPr>
           <a:xfrm>
-            <a:off x="628650" y="1825625"/>
-            <a:ext cx="7886700" cy="4351338"/>
+            <a:off x="618718" y="958453"/>
+            <a:ext cx="7762102" cy="2284452"/>
           </a:xfrm>
           <a:prstGeom prst="rect">
             <a:avLst/>
@@ -2543,8 +2545,8 @@
         </p:nvSpPr>
         <p:spPr>
           <a:xfrm>
-            <a:off x="628650" y="6356351"/>
-            <a:ext cx="2057400" cy="365125"/>
+            <a:off x="618718" y="3337084"/>
+            <a:ext cx="2024896" cy="191691"/>
           </a:xfrm>
           <a:prstGeom prst="rect">
             <a:avLst/>
@@ -2554,7 +2556,7 @@
           <a:bodyPr vert="horz" lIns="91440" tIns="45720" rIns="91440" bIns="45720" rtlCol="0" anchor="ctr"/>
           <a:lstStyle>
             <a:lvl1pPr algn="l">
-              <a:defRPr sz="1200">
+              <a:defRPr sz="630">
                 <a:solidFill>
                   <a:schemeClr val="tx1">
                     <a:tint val="75000"/>
@@ -2564,9 +2566,9 @@
             </a:lvl1pPr>
           </a:lstStyle>
           <a:p>
-            <a:fld id="{B3FD49CD-0034-0441-84C5-BD61FA025A57}" type="datetimeFigureOut">
+            <a:fld id="{6FAFD778-F358-E84B-9994-15FCFEB5F68E}" type="datetimeFigureOut">
               <a:rPr lang="en-US" smtClean="0"/>
-              <a:t>3/2/20</a:t>
+              <a:t>7/19/20</a:t>
             </a:fld>
             <a:endParaRPr lang="en-US"/>
           </a:p>
@@ -2584,8 +2586,8 @@
         </p:nvSpPr>
         <p:spPr>
           <a:xfrm>
-            <a:off x="3028950" y="6356351"/>
-            <a:ext cx="3086100" cy="365125"/>
+            <a:off x="2981097" y="3337084"/>
+            <a:ext cx="3037344" cy="191691"/>
           </a:xfrm>
           <a:prstGeom prst="rect">
             <a:avLst/>
@@ -2595,7 +2597,7 @@
           <a:bodyPr vert="horz" lIns="91440" tIns="45720" rIns="91440" bIns="45720" rtlCol="0" anchor="ctr"/>
           <a:lstStyle>
             <a:lvl1pPr algn="ctr">
-              <a:defRPr sz="1200">
+              <a:defRPr sz="630">
                 <a:solidFill>
                   <a:schemeClr val="tx1">
                     <a:tint val="75000"/>
@@ -2621,8 +2623,8 @@
         </p:nvSpPr>
         <p:spPr>
           <a:xfrm>
-            <a:off x="6457950" y="6356351"/>
-            <a:ext cx="2057400" cy="365125"/>
+            <a:off x="6355924" y="3337084"/>
+            <a:ext cx="2024896" cy="191691"/>
           </a:xfrm>
           <a:prstGeom prst="rect">
             <a:avLst/>
@@ -2632,7 +2634,7 @@
           <a:bodyPr vert="horz" lIns="91440" tIns="45720" rIns="91440" bIns="45720" rtlCol="0" anchor="ctr"/>
           <a:lstStyle>
             <a:lvl1pPr algn="r">
-              <a:defRPr sz="1200">
+              <a:defRPr sz="630">
                 <a:solidFill>
                   <a:schemeClr val="tx1">
                     <a:tint val="75000"/>
@@ -2642,7 +2644,7 @@
             </a:lvl1pPr>
           </a:lstStyle>
           <a:p>
-            <a:fld id="{FBC658B5-A350-DE4B-8B29-42402953F3E0}" type="slidenum">
+            <a:fld id="{B663B3F2-1FF1-BF45-B852-B0FD1F47ABE9}" type="slidenum">
               <a:rPr lang="en-US" smtClean="0"/>
               <a:t>‹#›</a:t>
             </a:fld>
@@ -2653,27 +2655,27 @@
     </p:spTree>
     <p:extLst>
       <p:ext uri="{BB962C8B-B14F-4D97-AF65-F5344CB8AC3E}">
-        <p14:creationId xmlns:p14="http://schemas.microsoft.com/office/powerpoint/2010/main" val="4269399518"/>
+        <p14:creationId xmlns:p14="http://schemas.microsoft.com/office/powerpoint/2010/main" val="854469183"/>
       </p:ext>
     </p:extLst>
   </p:cSld>
   <p:clrMap bg1="lt1" tx1="dk1" bg2="lt2" tx2="dk2" accent1="accent1" accent2="accent2" accent3="accent3" accent4="accent4" accent5="accent5" accent6="accent6" hlink="hlink" folHlink="folHlink"/>
   <p:sldLayoutIdLst>
-    <p:sldLayoutId id="2147483661" r:id="rId1"/>
-    <p:sldLayoutId id="2147483662" r:id="rId2"/>
-    <p:sldLayoutId id="2147483663" r:id="rId3"/>
-    <p:sldLayoutId id="2147483664" r:id="rId4"/>
-    <p:sldLayoutId id="2147483665" r:id="rId5"/>
-    <p:sldLayoutId id="2147483666" r:id="rId6"/>
-    <p:sldLayoutId id="2147483667" r:id="rId7"/>
-    <p:sldLayoutId id="2147483668" r:id="rId8"/>
-    <p:sldLayoutId id="2147483669" r:id="rId9"/>
-    <p:sldLayoutId id="2147483670" r:id="rId10"/>
-    <p:sldLayoutId id="2147483671" r:id="rId11"/>
+    <p:sldLayoutId id="2147483697" r:id="rId1"/>
+    <p:sldLayoutId id="2147483698" r:id="rId2"/>
+    <p:sldLayoutId id="2147483699" r:id="rId3"/>
+    <p:sldLayoutId id="2147483700" r:id="rId4"/>
+    <p:sldLayoutId id="2147483701" r:id="rId5"/>
+    <p:sldLayoutId id="2147483702" r:id="rId6"/>
+    <p:sldLayoutId id="2147483703" r:id="rId7"/>
+    <p:sldLayoutId id="2147483704" r:id="rId8"/>
+    <p:sldLayoutId id="2147483705" r:id="rId9"/>
+    <p:sldLayoutId id="2147483706" r:id="rId10"/>
+    <p:sldLayoutId id="2147483707" r:id="rId11"/>
   </p:sldLayoutIdLst>
   <p:txStyles>
     <p:titleStyle>
-      <a:lvl1pPr algn="l" defTabSz="914400" rtl="0" eaLnBrk="1" latinLnBrk="0" hangingPunct="1">
+      <a:lvl1pPr algn="l" defTabSz="480060" rtl="0" eaLnBrk="1" latinLnBrk="0" hangingPunct="1">
         <a:lnSpc>
           <a:spcPct val="90000"/>
         </a:lnSpc>
@@ -2681,7 +2683,7 @@
           <a:spcPct val="0"/>
         </a:spcBef>
         <a:buNone/>
-        <a:defRPr sz="4400" kern="1200">
+        <a:defRPr sz="2310" kern="1200">
           <a:solidFill>
             <a:schemeClr val="tx1"/>
           </a:solidFill>
@@ -2692,16 +2694,16 @@
       </a:lvl1pPr>
     </p:titleStyle>
     <p:bodyStyle>
-      <a:lvl1pPr marL="228600" indent="-228600" algn="l" defTabSz="914400" rtl="0" eaLnBrk="1" latinLnBrk="0" hangingPunct="1">
+      <a:lvl1pPr marL="120015" indent="-120015" algn="l" defTabSz="480060" rtl="0" eaLnBrk="1" latinLnBrk="0" hangingPunct="1">
         <a:lnSpc>
           <a:spcPct val="90000"/>
         </a:lnSpc>
         <a:spcBef>
-          <a:spcPts val="1000"/>
+          <a:spcPts val="525"/>
         </a:spcBef>
         <a:buFont typeface="Arial" panose="020B0604020202020204" pitchFamily="34" charset="0"/>
         <a:buChar char="•"/>
-        <a:defRPr sz="2800" kern="1200">
+        <a:defRPr sz="1470" kern="1200">
           <a:solidFill>
             <a:schemeClr val="tx1"/>
           </a:solidFill>
@@ -2710,16 +2712,16 @@
           <a:cs typeface="+mn-cs"/>
         </a:defRPr>
       </a:lvl1pPr>
-      <a:lvl2pPr marL="685800" indent="-228600" algn="l" defTabSz="914400" rtl="0" eaLnBrk="1" latinLnBrk="0" hangingPunct="1">
+      <a:lvl2pPr marL="360045" indent="-120015" algn="l" defTabSz="480060" rtl="0" eaLnBrk="1" latinLnBrk="0" hangingPunct="1">
         <a:lnSpc>
           <a:spcPct val="90000"/>
         </a:lnSpc>
         <a:spcBef>
-          <a:spcPts val="500"/>
+          <a:spcPts val="263"/>
         </a:spcBef>
         <a:buFont typeface="Arial" panose="020B0604020202020204" pitchFamily="34" charset="0"/>
         <a:buChar char="•"/>
-        <a:defRPr sz="2400" kern="1200">
+        <a:defRPr sz="1260" kern="1200">
           <a:solidFill>
             <a:schemeClr val="tx1"/>
           </a:solidFill>
@@ -2728,16 +2730,16 @@
           <a:cs typeface="+mn-cs"/>
         </a:defRPr>
       </a:lvl2pPr>
-      <a:lvl3pPr marL="1143000" indent="-228600" algn="l" defTabSz="914400" rtl="0" eaLnBrk="1" latinLnBrk="0" hangingPunct="1">
+      <a:lvl3pPr marL="600075" indent="-120015" algn="l" defTabSz="480060" rtl="0" eaLnBrk="1" latinLnBrk="0" hangingPunct="1">
         <a:lnSpc>
           <a:spcPct val="90000"/>
         </a:lnSpc>
         <a:spcBef>
-          <a:spcPts val="500"/>
+          <a:spcPts val="263"/>
         </a:spcBef>
         <a:buFont typeface="Arial" panose="020B0604020202020204" pitchFamily="34" charset="0"/>
         <a:buChar char="•"/>
-        <a:defRPr sz="2000" kern="1200">
+        <a:defRPr sz="1050" kern="1200">
           <a:solidFill>
             <a:schemeClr val="tx1"/>
           </a:solidFill>
@@ -2746,16 +2748,16 @@
           <a:cs typeface="+mn-cs"/>
         </a:defRPr>
       </a:lvl3pPr>
-      <a:lvl4pPr marL="1600200" indent="-228600" algn="l" defTabSz="914400" rtl="0" eaLnBrk="1" latinLnBrk="0" hangingPunct="1">
+      <a:lvl4pPr marL="840105" indent="-120015" algn="l" defTabSz="480060" rtl="0" eaLnBrk="1" latinLnBrk="0" hangingPunct="1">
         <a:lnSpc>
           <a:spcPct val="90000"/>
         </a:lnSpc>
         <a:spcBef>
-          <a:spcPts val="500"/>
+          <a:spcPts val="263"/>
         </a:spcBef>
         <a:buFont typeface="Arial" panose="020B0604020202020204" pitchFamily="34" charset="0"/>
         <a:buChar char="•"/>
-        <a:defRPr sz="1800" kern="1200">
+        <a:defRPr sz="945" kern="1200">
           <a:solidFill>
             <a:schemeClr val="tx1"/>
           </a:solidFill>
@@ -2764,16 +2766,16 @@
           <a:cs typeface="+mn-cs"/>
         </a:defRPr>
       </a:lvl4pPr>
-      <a:lvl5pPr marL="2057400" indent="-228600" algn="l" defTabSz="914400" rtl="0" eaLnBrk="1" latinLnBrk="0" hangingPunct="1">
+      <a:lvl5pPr marL="1080135" indent="-120015" algn="l" defTabSz="480060" rtl="0" eaLnBrk="1" latinLnBrk="0" hangingPunct="1">
         <a:lnSpc>
           <a:spcPct val="90000"/>
         </a:lnSpc>
         <a:spcBef>
-          <a:spcPts val="500"/>
+          <a:spcPts val="263"/>
         </a:spcBef>
         <a:buFont typeface="Arial" panose="020B0604020202020204" pitchFamily="34" charset="0"/>
         <a:buChar char="•"/>
-        <a:defRPr sz="1800" kern="1200">
+        <a:defRPr sz="945" kern="1200">
           <a:solidFill>
             <a:schemeClr val="tx1"/>
           </a:solidFill>
@@ -2782,16 +2784,16 @@
           <a:cs typeface="+mn-cs"/>
         </a:defRPr>
       </a:lvl5pPr>
-      <a:lvl6pPr marL="2514600" indent="-228600" algn="l" defTabSz="914400" rtl="0" eaLnBrk="1" latinLnBrk="0" hangingPunct="1">
+      <a:lvl6pPr marL="1320165" indent="-120015" algn="l" defTabSz="480060" rtl="0" eaLnBrk="1" latinLnBrk="0" hangingPunct="1">
         <a:lnSpc>
           <a:spcPct val="90000"/>
         </a:lnSpc>
         <a:spcBef>
-          <a:spcPts val="500"/>
+          <a:spcPts val="263"/>
         </a:spcBef>
         <a:buFont typeface="Arial" panose="020B0604020202020204" pitchFamily="34" charset="0"/>
         <a:buChar char="•"/>
-        <a:defRPr sz="1800" kern="1200">
+        <a:defRPr sz="945" kern="1200">
           <a:solidFill>
             <a:schemeClr val="tx1"/>
           </a:solidFill>
@@ -2800,16 +2802,16 @@
           <a:cs typeface="+mn-cs"/>
         </a:defRPr>
       </a:lvl6pPr>
-      <a:lvl7pPr marL="2971800" indent="-228600" algn="l" defTabSz="914400" rtl="0" eaLnBrk="1" latinLnBrk="0" hangingPunct="1">
+      <a:lvl7pPr marL="1560195" indent="-120015" algn="l" defTabSz="480060" rtl="0" eaLnBrk="1" latinLnBrk="0" hangingPunct="1">
         <a:lnSpc>
           <a:spcPct val="90000"/>
         </a:lnSpc>
         <a:spcBef>
-          <a:spcPts val="500"/>
+          <a:spcPts val="263"/>
         </a:spcBef>
         <a:buFont typeface="Arial" panose="020B0604020202020204" pitchFamily="34" charset="0"/>
         <a:buChar char="•"/>
-        <a:defRPr sz="1800" kern="1200">
+        <a:defRPr sz="945" kern="1200">
           <a:solidFill>
             <a:schemeClr val="tx1"/>
           </a:solidFill>
@@ -2818,16 +2820,16 @@
           <a:cs typeface="+mn-cs"/>
         </a:defRPr>
       </a:lvl7pPr>
-      <a:lvl8pPr marL="3429000" indent="-228600" algn="l" defTabSz="914400" rtl="0" eaLnBrk="1" latinLnBrk="0" hangingPunct="1">
+      <a:lvl8pPr marL="1800225" indent="-120015" algn="l" defTabSz="480060" rtl="0" eaLnBrk="1" latinLnBrk="0" hangingPunct="1">
         <a:lnSpc>
           <a:spcPct val="90000"/>
         </a:lnSpc>
         <a:spcBef>
-          <a:spcPts val="500"/>
+          <a:spcPts val="263"/>
         </a:spcBef>
         <a:buFont typeface="Arial" panose="020B0604020202020204" pitchFamily="34" charset="0"/>
         <a:buChar char="•"/>
-        <a:defRPr sz="1800" kern="1200">
+        <a:defRPr sz="945" kern="1200">
           <a:solidFill>
             <a:schemeClr val="tx1"/>
           </a:solidFill>
@@ -2836,16 +2838,16 @@
           <a:cs typeface="+mn-cs"/>
         </a:defRPr>
       </a:lvl8pPr>
-      <a:lvl9pPr marL="3886200" indent="-228600" algn="l" defTabSz="914400" rtl="0" eaLnBrk="1" latinLnBrk="0" hangingPunct="1">
+      <a:lvl9pPr marL="2040255" indent="-120015" algn="l" defTabSz="480060" rtl="0" eaLnBrk="1" latinLnBrk="0" hangingPunct="1">
         <a:lnSpc>
           <a:spcPct val="90000"/>
         </a:lnSpc>
         <a:spcBef>
-          <a:spcPts val="500"/>
+          <a:spcPts val="263"/>
         </a:spcBef>
         <a:buFont typeface="Arial" panose="020B0604020202020204" pitchFamily="34" charset="0"/>
         <a:buChar char="•"/>
-        <a:defRPr sz="1800" kern="1200">
+        <a:defRPr sz="945" kern="1200">
           <a:solidFill>
             <a:schemeClr val="tx1"/>
           </a:solidFill>
@@ -2859,8 +2861,8 @@
       <a:defPPr>
         <a:defRPr lang="en-US"/>
       </a:defPPr>
-      <a:lvl1pPr marL="0" algn="l" defTabSz="914400" rtl="0" eaLnBrk="1" latinLnBrk="0" hangingPunct="1">
-        <a:defRPr sz="1800" kern="1200">
+      <a:lvl1pPr marL="0" algn="l" defTabSz="480060" rtl="0" eaLnBrk="1" latinLnBrk="0" hangingPunct="1">
+        <a:defRPr sz="945" kern="1200">
           <a:solidFill>
             <a:schemeClr val="tx1"/>
           </a:solidFill>
@@ -2869,8 +2871,8 @@
           <a:cs typeface="+mn-cs"/>
         </a:defRPr>
       </a:lvl1pPr>
-      <a:lvl2pPr marL="457200" algn="l" defTabSz="914400" rtl="0" eaLnBrk="1" latinLnBrk="0" hangingPunct="1">
-        <a:defRPr sz="1800" kern="1200">
+      <a:lvl2pPr marL="240030" algn="l" defTabSz="480060" rtl="0" eaLnBrk="1" latinLnBrk="0" hangingPunct="1">
+        <a:defRPr sz="945" kern="1200">
           <a:solidFill>
             <a:schemeClr val="tx1"/>
           </a:solidFill>
@@ -2879,8 +2881,8 @@
           <a:cs typeface="+mn-cs"/>
         </a:defRPr>
       </a:lvl2pPr>
-      <a:lvl3pPr marL="914400" algn="l" defTabSz="914400" rtl="0" eaLnBrk="1" latinLnBrk="0" hangingPunct="1">
-        <a:defRPr sz="1800" kern="1200">
+      <a:lvl3pPr marL="480060" algn="l" defTabSz="480060" rtl="0" eaLnBrk="1" latinLnBrk="0" hangingPunct="1">
+        <a:defRPr sz="945" kern="1200">
           <a:solidFill>
             <a:schemeClr val="tx1"/>
           </a:solidFill>
@@ -2889,8 +2891,8 @@
           <a:cs typeface="+mn-cs"/>
         </a:defRPr>
       </a:lvl3pPr>
-      <a:lvl4pPr marL="1371600" algn="l" defTabSz="914400" rtl="0" eaLnBrk="1" latinLnBrk="0" hangingPunct="1">
-        <a:defRPr sz="1800" kern="1200">
+      <a:lvl4pPr marL="720090" algn="l" defTabSz="480060" rtl="0" eaLnBrk="1" latinLnBrk="0" hangingPunct="1">
+        <a:defRPr sz="945" kern="1200">
           <a:solidFill>
             <a:schemeClr val="tx1"/>
           </a:solidFill>
@@ -2899,8 +2901,8 @@
           <a:cs typeface="+mn-cs"/>
         </a:defRPr>
       </a:lvl4pPr>
-      <a:lvl5pPr marL="1828800" algn="l" defTabSz="914400" rtl="0" eaLnBrk="1" latinLnBrk="0" hangingPunct="1">
-        <a:defRPr sz="1800" kern="1200">
+      <a:lvl5pPr marL="960120" algn="l" defTabSz="480060" rtl="0" eaLnBrk="1" latinLnBrk="0" hangingPunct="1">
+        <a:defRPr sz="945" kern="1200">
           <a:solidFill>
             <a:schemeClr val="tx1"/>
           </a:solidFill>
@@ -2909,8 +2911,8 @@
           <a:cs typeface="+mn-cs"/>
         </a:defRPr>
       </a:lvl5pPr>
-      <a:lvl6pPr marL="2286000" algn="l" defTabSz="914400" rtl="0" eaLnBrk="1" latinLnBrk="0" hangingPunct="1">
-        <a:defRPr sz="1800" kern="1200">
+      <a:lvl6pPr marL="1200150" algn="l" defTabSz="480060" rtl="0" eaLnBrk="1" latinLnBrk="0" hangingPunct="1">
+        <a:defRPr sz="945" kern="1200">
           <a:solidFill>
             <a:schemeClr val="tx1"/>
           </a:solidFill>
@@ -2919,8 +2921,8 @@
           <a:cs typeface="+mn-cs"/>
         </a:defRPr>
       </a:lvl6pPr>
-      <a:lvl7pPr marL="2743200" algn="l" defTabSz="914400" rtl="0" eaLnBrk="1" latinLnBrk="0" hangingPunct="1">
-        <a:defRPr sz="1800" kern="1200">
+      <a:lvl7pPr marL="1440180" algn="l" defTabSz="480060" rtl="0" eaLnBrk="1" latinLnBrk="0" hangingPunct="1">
+        <a:defRPr sz="945" kern="1200">
           <a:solidFill>
             <a:schemeClr val="tx1"/>
           </a:solidFill>
@@ -2929,8 +2931,8 @@
           <a:cs typeface="+mn-cs"/>
         </a:defRPr>
       </a:lvl7pPr>
-      <a:lvl8pPr marL="3200400" algn="l" defTabSz="914400" rtl="0" eaLnBrk="1" latinLnBrk="0" hangingPunct="1">
-        <a:defRPr sz="1800" kern="1200">
+      <a:lvl8pPr marL="1680210" algn="l" defTabSz="480060" rtl="0" eaLnBrk="1" latinLnBrk="0" hangingPunct="1">
+        <a:defRPr sz="945" kern="1200">
           <a:solidFill>
             <a:schemeClr val="tx1"/>
           </a:solidFill>
@@ -2939,8 +2941,8 @@
           <a:cs typeface="+mn-cs"/>
         </a:defRPr>
       </a:lvl8pPr>
-      <a:lvl9pPr marL="3657600" algn="l" defTabSz="914400" rtl="0" eaLnBrk="1" latinLnBrk="0" hangingPunct="1">
-        <a:defRPr sz="1800" kern="1200">
+      <a:lvl9pPr marL="1920240" algn="l" defTabSz="480060" rtl="0" eaLnBrk="1" latinLnBrk="0" hangingPunct="1">
+        <a:defRPr sz="945" kern="1200">
           <a:solidFill>
             <a:schemeClr val="tx1"/>
           </a:solidFill>
@@ -2971,12 +2973,82 @@
           <a:chExt cx="0" cy="0"/>
         </a:xfrm>
       </p:grpSpPr>
+      <p:sp>
+        <p:nvSpPr>
+          <p:cNvPr id="12" name="TextBox 11">
+            <a:extLst>
+              <a:ext uri="{FF2B5EF4-FFF2-40B4-BE49-F238E27FC236}">
+                <a16:creationId xmlns:a16="http://schemas.microsoft.com/office/drawing/2014/main" id="{7629327D-9B6D-B144-93B7-E48AEF0A1A0C}"/>
+              </a:ext>
+            </a:extLst>
+          </p:cNvPr>
+          <p:cNvSpPr txBox="1"/>
+          <p:nvPr/>
+        </p:nvSpPr>
+        <p:spPr>
+          <a:xfrm>
+            <a:off x="235527" y="374073"/>
+            <a:ext cx="295274" cy="369332"/>
+          </a:xfrm>
+          <a:prstGeom prst="rect">
+            <a:avLst/>
+          </a:prstGeom>
+          <a:noFill/>
+        </p:spPr>
+        <p:txBody>
+          <a:bodyPr wrap="none" rtlCol="0">
+            <a:spAutoFit/>
+          </a:bodyPr>
+          <a:lstStyle/>
+          <a:p>
+            <a:r>
+              <a:rPr lang="en-US" dirty="0"/>
+              <a:t>a</a:t>
+            </a:r>
+          </a:p>
+        </p:txBody>
+      </p:sp>
+      <p:sp>
+        <p:nvSpPr>
+          <p:cNvPr id="13" name="TextBox 12">
+            <a:extLst>
+              <a:ext uri="{FF2B5EF4-FFF2-40B4-BE49-F238E27FC236}">
+                <a16:creationId xmlns:a16="http://schemas.microsoft.com/office/drawing/2014/main" id="{E1DDA78D-6085-6A44-B994-E0656C198D55}"/>
+              </a:ext>
+            </a:extLst>
+          </p:cNvPr>
+          <p:cNvSpPr txBox="1"/>
+          <p:nvPr/>
+        </p:nvSpPr>
+        <p:spPr>
+          <a:xfrm>
+            <a:off x="4544869" y="374073"/>
+            <a:ext cx="306494" cy="369332"/>
+          </a:xfrm>
+          <a:prstGeom prst="rect">
+            <a:avLst/>
+          </a:prstGeom>
+          <a:noFill/>
+        </p:spPr>
+        <p:txBody>
+          <a:bodyPr wrap="none" rtlCol="0">
+            <a:spAutoFit/>
+          </a:bodyPr>
+          <a:lstStyle/>
+          <a:p>
+            <a:r>
+              <a:rPr lang="en-US" dirty="0"/>
+              <a:t>b</a:t>
+            </a:r>
+          </a:p>
+        </p:txBody>
+      </p:sp>
       <p:pic>
         <p:nvPicPr>
-          <p:cNvPr id="5" name="Picture 4">
+          <p:cNvPr id="4" name="Picture 3">
             <a:extLst>
               <a:ext uri="{FF2B5EF4-FFF2-40B4-BE49-F238E27FC236}">
-                <a16:creationId xmlns:a16="http://schemas.microsoft.com/office/drawing/2014/main" id="{3C0A1BDA-CEB0-234E-BD87-11570497F230}"/>
+                <a16:creationId xmlns:a16="http://schemas.microsoft.com/office/drawing/2014/main" id="{D8B997DD-6D7A-2845-8816-83101D75DB14}"/>
               </a:ext>
             </a:extLst>
           </p:cNvPr>
@@ -2993,8 +3065,8 @@
         </p:blipFill>
         <p:spPr>
           <a:xfrm>
-            <a:off x="4192888" y="1825336"/>
-            <a:ext cx="4840276" cy="3226851"/>
+            <a:off x="4529313" y="743405"/>
+            <a:ext cx="4450592" cy="2670355"/>
           </a:xfrm>
           <a:prstGeom prst="rect">
             <a:avLst/>
@@ -3006,7 +3078,7 @@
           <p:cNvPr id="7" name="Picture 6">
             <a:extLst>
               <a:ext uri="{FF2B5EF4-FFF2-40B4-BE49-F238E27FC236}">
-                <a16:creationId xmlns:a16="http://schemas.microsoft.com/office/drawing/2014/main" id="{A875D84A-9A98-FC4D-BD55-69EEDDD47B8F}"/>
+                <a16:creationId xmlns:a16="http://schemas.microsoft.com/office/drawing/2014/main" id="{2CA4B21B-68D0-D44C-A386-7720093ECAD8}"/>
               </a:ext>
             </a:extLst>
           </p:cNvPr>
@@ -3015,99 +3087,26 @@
           </p:cNvPicPr>
           <p:nvPr/>
         </p:nvPicPr>
-        <p:blipFill rotWithShape="1">
+        <p:blipFill>
           <a:blip r:embed="rId3"/>
-          <a:srcRect r="15152"/>
-          <a:stretch/>
+          <a:stretch>
+            <a:fillRect/>
+          </a:stretch>
         </p:blipFill>
         <p:spPr>
           <a:xfrm>
-            <a:off x="110836" y="1825336"/>
-            <a:ext cx="4106900" cy="3226850"/>
+            <a:off x="529439" y="743405"/>
+            <a:ext cx="3940787" cy="2758551"/>
           </a:xfrm>
           <a:prstGeom prst="rect">
             <a:avLst/>
           </a:prstGeom>
         </p:spPr>
       </p:pic>
-      <p:sp>
-        <p:nvSpPr>
-          <p:cNvPr id="8" name="TextBox 7">
-            <a:extLst>
-              <a:ext uri="{FF2B5EF4-FFF2-40B4-BE49-F238E27FC236}">
-                <a16:creationId xmlns:a16="http://schemas.microsoft.com/office/drawing/2014/main" id="{EA956CE8-16F1-F64F-81C1-ED4DB986C4C9}"/>
-              </a:ext>
-            </a:extLst>
-          </p:cNvPr>
-          <p:cNvSpPr txBox="1"/>
-          <p:nvPr/>
-        </p:nvSpPr>
-        <p:spPr>
-          <a:xfrm>
-            <a:off x="401782" y="1456003"/>
-            <a:ext cx="287258" cy="369332"/>
-          </a:xfrm>
-          <a:prstGeom prst="rect">
-            <a:avLst/>
-          </a:prstGeom>
-          <a:noFill/>
-        </p:spPr>
-        <p:txBody>
-          <a:bodyPr wrap="none" rtlCol="0">
-            <a:spAutoFit/>
-          </a:bodyPr>
-          <a:lstStyle/>
-          <a:p>
-            <a:r>
-              <a:rPr lang="en-US" dirty="0">
-                <a:latin typeface="Times" pitchFamily="2" charset="0"/>
-              </a:rPr>
-              <a:t>a</a:t>
-            </a:r>
-          </a:p>
-        </p:txBody>
-      </p:sp>
-      <p:sp>
-        <p:nvSpPr>
-          <p:cNvPr id="9" name="TextBox 8">
-            <a:extLst>
-              <a:ext uri="{FF2B5EF4-FFF2-40B4-BE49-F238E27FC236}">
-                <a16:creationId xmlns:a16="http://schemas.microsoft.com/office/drawing/2014/main" id="{1CCBC0BC-BE0A-A048-876A-A077BAB3AC4C}"/>
-              </a:ext>
-            </a:extLst>
-          </p:cNvPr>
-          <p:cNvSpPr txBox="1"/>
-          <p:nvPr/>
-        </p:nvSpPr>
-        <p:spPr>
-          <a:xfrm>
-            <a:off x="4572000" y="1456003"/>
-            <a:ext cx="300082" cy="369332"/>
-          </a:xfrm>
-          <a:prstGeom prst="rect">
-            <a:avLst/>
-          </a:prstGeom>
-          <a:noFill/>
-        </p:spPr>
-        <p:txBody>
-          <a:bodyPr wrap="none" rtlCol="0">
-            <a:spAutoFit/>
-          </a:bodyPr>
-          <a:lstStyle/>
-          <a:p>
-            <a:r>
-              <a:rPr lang="en-US" dirty="0">
-                <a:latin typeface="Times" pitchFamily="2" charset="0"/>
-              </a:rPr>
-              <a:t>b</a:t>
-            </a:r>
-          </a:p>
-        </p:txBody>
-      </p:sp>
     </p:spTree>
     <p:extLst>
       <p:ext uri="{BB962C8B-B14F-4D97-AF65-F5344CB8AC3E}">
-        <p14:creationId xmlns:p14="http://schemas.microsoft.com/office/powerpoint/2010/main" val="4057899514"/>
+        <p14:creationId xmlns:p14="http://schemas.microsoft.com/office/powerpoint/2010/main" val="2595478786"/>
       </p:ext>
     </p:extLst>
   </p:cSld>
